--- a/01.basic/day3/day03.pptx
+++ b/01.basic/day3/day03.pptx
@@ -214,7 +214,7 @@
           <a:p>
             <a:fld id="{1704634C-D031-8744-8DBA-B4EBE976299F}" type="datetimeFigureOut">
               <a:rPr kumimoji="1" lang="zh-CN" altLang="en-US" smtClean="0"/>
-              <a:t>2021/4/21</a:t>
+              <a:t>2021/4/28</a:t>
             </a:fld>
             <a:endParaRPr kumimoji="1" lang="zh-CN" altLang="en-US"/>
           </a:p>
@@ -2023,7 +2023,7 @@
           <a:p>
             <a:fld id="{64E65BB6-1D9C-254C-AD75-784507605180}" type="datetimeFigureOut">
               <a:rPr kumimoji="1" lang="zh-CN" altLang="en-US" smtClean="0"/>
-              <a:t>2021/4/21</a:t>
+              <a:t>2021/4/28</a:t>
             </a:fld>
             <a:endParaRPr kumimoji="1" lang="zh-CN" altLang="en-US"/>
           </a:p>
@@ -2186,7 +2186,7 @@
           <a:p>
             <a:fld id="{64E65BB6-1D9C-254C-AD75-784507605180}" type="datetimeFigureOut">
               <a:rPr kumimoji="1" lang="zh-CN" altLang="en-US" smtClean="0"/>
-              <a:t>2021/4/21</a:t>
+              <a:t>2021/4/28</a:t>
             </a:fld>
             <a:endParaRPr kumimoji="1" lang="zh-CN" altLang="en-US"/>
           </a:p>
@@ -2359,7 +2359,7 @@
           <a:p>
             <a:fld id="{64E65BB6-1D9C-254C-AD75-784507605180}" type="datetimeFigureOut">
               <a:rPr kumimoji="1" lang="zh-CN" altLang="en-US" smtClean="0"/>
-              <a:t>2021/4/21</a:t>
+              <a:t>2021/4/28</a:t>
             </a:fld>
             <a:endParaRPr kumimoji="1" lang="zh-CN" altLang="en-US"/>
           </a:p>
@@ -2562,7 +2562,7 @@
           <a:p>
             <a:fld id="{9E880B4C-D537-244F-907F-0CBE4CE45AE7}" type="datetimeFigureOut">
               <a:rPr kumimoji="1" lang="zh-CN" altLang="en-US" smtClean="0"/>
-              <a:t>2021/4/21</a:t>
+              <a:t>2021/4/28</a:t>
             </a:fld>
             <a:endParaRPr kumimoji="1" lang="zh-CN" altLang="en-US"/>
           </a:p>
@@ -2760,7 +2760,7 @@
           <a:p>
             <a:fld id="{9E880B4C-D537-244F-907F-0CBE4CE45AE7}" type="datetimeFigureOut">
               <a:rPr kumimoji="1" lang="zh-CN" altLang="en-US" smtClean="0"/>
-              <a:t>2021/4/21</a:t>
+              <a:t>2021/4/28</a:t>
             </a:fld>
             <a:endParaRPr kumimoji="1" lang="zh-CN" altLang="en-US"/>
           </a:p>
@@ -3035,7 +3035,7 @@
           <a:p>
             <a:fld id="{9E880B4C-D537-244F-907F-0CBE4CE45AE7}" type="datetimeFigureOut">
               <a:rPr kumimoji="1" lang="zh-CN" altLang="en-US" smtClean="0"/>
-              <a:t>2021/4/21</a:t>
+              <a:t>2021/4/28</a:t>
             </a:fld>
             <a:endParaRPr kumimoji="1" lang="zh-CN" altLang="en-US"/>
           </a:p>
@@ -3300,7 +3300,7 @@
           <a:p>
             <a:fld id="{9E880B4C-D537-244F-907F-0CBE4CE45AE7}" type="datetimeFigureOut">
               <a:rPr kumimoji="1" lang="zh-CN" altLang="en-US" smtClean="0"/>
-              <a:t>2021/4/21</a:t>
+              <a:t>2021/4/28</a:t>
             </a:fld>
             <a:endParaRPr kumimoji="1" lang="zh-CN" altLang="en-US"/>
           </a:p>
@@ -3712,7 +3712,7 @@
           <a:p>
             <a:fld id="{9E880B4C-D537-244F-907F-0CBE4CE45AE7}" type="datetimeFigureOut">
               <a:rPr kumimoji="1" lang="zh-CN" altLang="en-US" smtClean="0"/>
-              <a:t>2021/4/21</a:t>
+              <a:t>2021/4/28</a:t>
             </a:fld>
             <a:endParaRPr kumimoji="1" lang="zh-CN" altLang="en-US"/>
           </a:p>
@@ -3853,7 +3853,7 @@
           <a:p>
             <a:fld id="{9E880B4C-D537-244F-907F-0CBE4CE45AE7}" type="datetimeFigureOut">
               <a:rPr kumimoji="1" lang="zh-CN" altLang="en-US" smtClean="0"/>
-              <a:t>2021/4/21</a:t>
+              <a:t>2021/4/28</a:t>
             </a:fld>
             <a:endParaRPr kumimoji="1" lang="zh-CN" altLang="en-US"/>
           </a:p>
@@ -3966,7 +3966,7 @@
           <a:p>
             <a:fld id="{9E880B4C-D537-244F-907F-0CBE4CE45AE7}" type="datetimeFigureOut">
               <a:rPr kumimoji="1" lang="zh-CN" altLang="en-US" smtClean="0"/>
-              <a:t>2021/4/21</a:t>
+              <a:t>2021/4/28</a:t>
             </a:fld>
             <a:endParaRPr kumimoji="1" lang="zh-CN" altLang="en-US"/>
           </a:p>
@@ -4277,7 +4277,7 @@
           <a:p>
             <a:fld id="{9E880B4C-D537-244F-907F-0CBE4CE45AE7}" type="datetimeFigureOut">
               <a:rPr kumimoji="1" lang="zh-CN" altLang="en-US" smtClean="0"/>
-              <a:t>2021/4/21</a:t>
+              <a:t>2021/4/28</a:t>
             </a:fld>
             <a:endParaRPr kumimoji="1" lang="zh-CN" altLang="en-US"/>
           </a:p>
@@ -4457,7 +4457,7 @@
           <a:p>
             <a:fld id="{64E65BB6-1D9C-254C-AD75-784507605180}" type="datetimeFigureOut">
               <a:rPr kumimoji="1" lang="zh-CN" altLang="en-US" smtClean="0"/>
-              <a:t>2021/4/21</a:t>
+              <a:t>2021/4/28</a:t>
             </a:fld>
             <a:endParaRPr kumimoji="1" lang="zh-CN" altLang="en-US"/>
           </a:p>
@@ -4728,7 +4728,7 @@
           <a:p>
             <a:fld id="{9E880B4C-D537-244F-907F-0CBE4CE45AE7}" type="datetimeFigureOut">
               <a:rPr kumimoji="1" lang="zh-CN" altLang="en-US" smtClean="0"/>
-              <a:t>2021/4/21</a:t>
+              <a:t>2021/4/28</a:t>
             </a:fld>
             <a:endParaRPr kumimoji="1" lang="zh-CN" altLang="en-US"/>
           </a:p>
@@ -4926,7 +4926,7 @@
           <a:p>
             <a:fld id="{9E880B4C-D537-244F-907F-0CBE4CE45AE7}" type="datetimeFigureOut">
               <a:rPr kumimoji="1" lang="zh-CN" altLang="en-US" smtClean="0"/>
-              <a:t>2021/4/21</a:t>
+              <a:t>2021/4/28</a:t>
             </a:fld>
             <a:endParaRPr kumimoji="1" lang="zh-CN" altLang="en-US"/>
           </a:p>
@@ -5134,7 +5134,7 @@
           <a:p>
             <a:fld id="{9E880B4C-D537-244F-907F-0CBE4CE45AE7}" type="datetimeFigureOut">
               <a:rPr kumimoji="1" lang="zh-CN" altLang="en-US" smtClean="0"/>
-              <a:t>2021/4/21</a:t>
+              <a:t>2021/4/28</a:t>
             </a:fld>
             <a:endParaRPr kumimoji="1" lang="zh-CN" altLang="en-US"/>
           </a:p>
@@ -5391,7 +5391,7 @@
           <a:p>
             <a:fld id="{64E65BB6-1D9C-254C-AD75-784507605180}" type="datetimeFigureOut">
               <a:rPr kumimoji="1" lang="zh-CN" altLang="en-US" smtClean="0"/>
-              <a:t>2021/4/21</a:t>
+              <a:t>2021/4/28</a:t>
             </a:fld>
             <a:endParaRPr kumimoji="1" lang="zh-CN" altLang="en-US"/>
           </a:p>
@@ -5615,7 +5615,7 @@
           <a:p>
             <a:fld id="{64E65BB6-1D9C-254C-AD75-784507605180}" type="datetimeFigureOut">
               <a:rPr kumimoji="1" lang="zh-CN" altLang="en-US" smtClean="0"/>
-              <a:t>2021/4/21</a:t>
+              <a:t>2021/4/28</a:t>
             </a:fld>
             <a:endParaRPr kumimoji="1" lang="zh-CN" altLang="en-US"/>
           </a:p>
@@ -5974,7 +5974,7 @@
           <a:p>
             <a:fld id="{64E65BB6-1D9C-254C-AD75-784507605180}" type="datetimeFigureOut">
               <a:rPr kumimoji="1" lang="zh-CN" altLang="en-US" smtClean="0"/>
-              <a:t>2021/4/21</a:t>
+              <a:t>2021/4/28</a:t>
             </a:fld>
             <a:endParaRPr kumimoji="1" lang="zh-CN" altLang="en-US"/>
           </a:p>
@@ -6086,7 +6086,7 @@
           <a:p>
             <a:fld id="{64E65BB6-1D9C-254C-AD75-784507605180}" type="datetimeFigureOut">
               <a:rPr kumimoji="1" lang="zh-CN" altLang="en-US" smtClean="0"/>
-              <a:t>2021/4/21</a:t>
+              <a:t>2021/4/28</a:t>
             </a:fld>
             <a:endParaRPr kumimoji="1" lang="zh-CN" altLang="en-US"/>
           </a:p>
@@ -6176,7 +6176,7 @@
           <a:p>
             <a:fld id="{64E65BB6-1D9C-254C-AD75-784507605180}" type="datetimeFigureOut">
               <a:rPr kumimoji="1" lang="zh-CN" altLang="en-US" smtClean="0"/>
-              <a:t>2021/4/21</a:t>
+              <a:t>2021/4/28</a:t>
             </a:fld>
             <a:endParaRPr kumimoji="1" lang="zh-CN" altLang="en-US"/>
           </a:p>
@@ -6446,7 +6446,7 @@
           <a:p>
             <a:fld id="{64E65BB6-1D9C-254C-AD75-784507605180}" type="datetimeFigureOut">
               <a:rPr kumimoji="1" lang="zh-CN" altLang="en-US" smtClean="0"/>
-              <a:t>2021/4/21</a:t>
+              <a:t>2021/4/28</a:t>
             </a:fld>
             <a:endParaRPr kumimoji="1" lang="zh-CN" altLang="en-US"/>
           </a:p>
@@ -6693,7 +6693,7 @@
           <a:p>
             <a:fld id="{64E65BB6-1D9C-254C-AD75-784507605180}" type="datetimeFigureOut">
               <a:rPr kumimoji="1" lang="zh-CN" altLang="en-US" smtClean="0"/>
-              <a:t>2021/4/21</a:t>
+              <a:t>2021/4/28</a:t>
             </a:fld>
             <a:endParaRPr kumimoji="1" lang="zh-CN" altLang="en-US"/>
           </a:p>
@@ -6899,7 +6899,7 @@
           <a:p>
             <a:fld id="{64E65BB6-1D9C-254C-AD75-784507605180}" type="datetimeFigureOut">
               <a:rPr kumimoji="1" lang="zh-CN" altLang="en-US" smtClean="0"/>
-              <a:t>2021/4/21</a:t>
+              <a:t>2021/4/28</a:t>
             </a:fld>
             <a:endParaRPr kumimoji="1" lang="zh-CN" altLang="en-US"/>
           </a:p>
@@ -7450,7 +7450,7 @@
           <a:p>
             <a:fld id="{9E880B4C-D537-244F-907F-0CBE4CE45AE7}" type="datetimeFigureOut">
               <a:rPr kumimoji="1" lang="zh-CN" altLang="en-US" smtClean="0"/>
-              <a:t>2021/4/21</a:t>
+              <a:t>2021/4/28</a:t>
             </a:fld>
             <a:endParaRPr kumimoji="1" lang="zh-CN" altLang="en-US"/>
           </a:p>
@@ -15941,7 +15941,7 @@
             </a:pPr>
             <a:r>
               <a:rPr lang="zh-CN" altLang="en-US" sz="2800" dirty="0"/>
-              <a:t>下記データの平均値を求める</a:t>
+              <a:t>下記データの最小値を求める</a:t>
             </a:r>
             <a:endParaRPr lang="en-US" altLang="zh-CN" sz="2800" dirty="0"/>
           </a:p>
@@ -15952,7 +15952,7 @@
             </a:r>
             <a:r>
               <a:rPr lang="en-US" altLang="ja-JP" sz="2800" dirty="0"/>
-              <a:t> 100,21,14,22,55,22</a:t>
+              <a:t> [100,21,14,22,55,22]</a:t>
             </a:r>
           </a:p>
           <a:p>
@@ -16022,7 +16022,11 @@
             </a:r>
             <a:r>
               <a:rPr lang="en-US" altLang="ja-JP" sz="2800" dirty="0"/>
-              <a:t>11,26, 28,88,91,65,33,22,73,34,62</a:t>
+              <a:t>[11,26</a:t>
+            </a:r>
+            <a:r>
+              <a:rPr lang="en-US" altLang="ja-JP" sz="2800"/>
+              <a:t>, 28,88,91,65,33,22,73,34,62]</a:t>
             </a:r>
             <a:endParaRPr lang="en-US" altLang="zh-CN" sz="2800" dirty="0"/>
           </a:p>
